--- a/Presentationsmaterial/Dokument/1.12 Metoder.pptx
+++ b/Presentationsmaterial/Dokument/1.12 Metoder.pptx
@@ -232,7 +232,7 @@
             <a:fld id="{0B3BAAB0-D539-4A20-AE97-450346457396}" type="datetimeFigureOut">
               <a:rPr lang="sv-SE" smtClean="0"/>
               <a:pPr/>
-              <a:t>2013-09-06</a:t>
+              <a:t>2013-09-13</a:t>
             </a:fld>
             <a:endParaRPr lang="sv-SE"/>
           </a:p>
@@ -4967,25 +4967,34 @@
                 <a:latin typeface="Consolas" pitchFamily="49" charset="0"/>
                 <a:cs typeface="Consolas" pitchFamily="49" charset="0"/>
               </a:rPr>
-              <a:t>("</a:t>
-            </a:r>
-            <a:r>
-              <a:rPr lang="sv-SE" sz="1400" dirty="0" err="1" smtClean="0">
-                <a:latin typeface="Consolas" pitchFamily="49" charset="0"/>
-                <a:cs typeface="Consolas" pitchFamily="49" charset="0"/>
+              <a:t>(</a:t>
+            </a:r>
+            <a:r>
+              <a:rPr lang="sv-SE" sz="1400" dirty="0">
+                <a:solidFill>
+                  <a:srgbClr val="A31515"/>
+                </a:solidFill>
+                <a:highlight>
+                  <a:srgbClr val="FFFFFF"/>
+                </a:highlight>
+                <a:latin typeface="Consolas"/>
               </a:rPr>
-              <a:t>Hello</a:t>
+              <a:t>"Hello, World!"</a:t>
             </a:r>
             <a:r>
               <a:rPr lang="sv-SE" sz="1400" dirty="0" smtClean="0">
                 <a:latin typeface="Consolas" pitchFamily="49" charset="0"/>
                 <a:cs typeface="Consolas" pitchFamily="49" charset="0"/>
               </a:rPr>
-              <a:t>, world!");</a:t>
+              <a:t>);</a:t>
             </a:r>
             <a:r>
               <a:rPr lang="sv-SE" dirty="0" smtClean="0"/>
-              <a:t> anropar en metod.</a:t>
+              <a:t> </a:t>
+            </a:r>
+            <a:r>
+              <a:rPr lang="sv-SE" dirty="0" smtClean="0"/>
+              <a:t>anropar en metod.</a:t>
             </a:r>
           </a:p>
           <a:p>
